--- a/PPTs/Text_to_Speech_Converter_Presentation.pptx
+++ b/PPTs/Text_to_Speech_Converter_Presentation.pptx
@@ -9,12 +9,13 @@
     <p:sldId id="257" r:id="rId3"/>
     <p:sldId id="258" r:id="rId4"/>
     <p:sldId id="259" r:id="rId5"/>
-    <p:sldId id="260" r:id="rId6"/>
-    <p:sldId id="261" r:id="rId7"/>
-    <p:sldId id="262" r:id="rId8"/>
-    <p:sldId id="263" r:id="rId9"/>
-    <p:sldId id="264" r:id="rId10"/>
-    <p:sldId id="265" r:id="rId11"/>
+    <p:sldId id="266" r:id="rId6"/>
+    <p:sldId id="260" r:id="rId7"/>
+    <p:sldId id="261" r:id="rId8"/>
+    <p:sldId id="262" r:id="rId9"/>
+    <p:sldId id="263" r:id="rId10"/>
+    <p:sldId id="264" r:id="rId11"/>
+    <p:sldId id="265" r:id="rId12"/>
   </p:sldIdLst>
   <p:sldSz cx="9144000" cy="6858000" type="screen4x3"/>
   <p:notesSz cx="6858000" cy="9144000"/>
@@ -311,7 +312,7 @@
           <a:p>
             <a:fld id="{5BCAD085-E8A6-8845-BD4E-CB4CCA059FC4}" type="datetimeFigureOut">
               <a:rPr lang="en-US" smtClean="0"/>
-              <a:t>1/2/2025</a:t>
+              <a:t>1/3/2025</a:t>
             </a:fld>
             <a:endParaRPr lang="en-US"/>
           </a:p>
@@ -479,7 +480,7 @@
           <a:p>
             <a:fld id="{5BCAD085-E8A6-8845-BD4E-CB4CCA059FC4}" type="datetimeFigureOut">
               <a:rPr lang="en-US" smtClean="0"/>
-              <a:t>1/2/2025</a:t>
+              <a:t>1/3/2025</a:t>
             </a:fld>
             <a:endParaRPr lang="en-US"/>
           </a:p>
@@ -657,7 +658,7 @@
           <a:p>
             <a:fld id="{5BCAD085-E8A6-8845-BD4E-CB4CCA059FC4}" type="datetimeFigureOut">
               <a:rPr lang="en-US" smtClean="0"/>
-              <a:t>1/2/2025</a:t>
+              <a:t>1/3/2025</a:t>
             </a:fld>
             <a:endParaRPr lang="en-US"/>
           </a:p>
@@ -825,7 +826,7 @@
           <a:p>
             <a:fld id="{5BCAD085-E8A6-8845-BD4E-CB4CCA059FC4}" type="datetimeFigureOut">
               <a:rPr lang="en-US" smtClean="0"/>
-              <a:t>1/2/2025</a:t>
+              <a:t>1/3/2025</a:t>
             </a:fld>
             <a:endParaRPr lang="en-US"/>
           </a:p>
@@ -1070,7 +1071,7 @@
           <a:p>
             <a:fld id="{5BCAD085-E8A6-8845-BD4E-CB4CCA059FC4}" type="datetimeFigureOut">
               <a:rPr lang="en-US" smtClean="0"/>
-              <a:t>1/2/2025</a:t>
+              <a:t>1/3/2025</a:t>
             </a:fld>
             <a:endParaRPr lang="en-US"/>
           </a:p>
@@ -1355,7 +1356,7 @@
           <a:p>
             <a:fld id="{5BCAD085-E8A6-8845-BD4E-CB4CCA059FC4}" type="datetimeFigureOut">
               <a:rPr lang="en-US" smtClean="0"/>
-              <a:t>1/2/2025</a:t>
+              <a:t>1/3/2025</a:t>
             </a:fld>
             <a:endParaRPr lang="en-US"/>
           </a:p>
@@ -1774,7 +1775,7 @@
           <a:p>
             <a:fld id="{5BCAD085-E8A6-8845-BD4E-CB4CCA059FC4}" type="datetimeFigureOut">
               <a:rPr lang="en-US" smtClean="0"/>
-              <a:t>1/2/2025</a:t>
+              <a:t>1/3/2025</a:t>
             </a:fld>
             <a:endParaRPr lang="en-US"/>
           </a:p>
@@ -1891,7 +1892,7 @@
           <a:p>
             <a:fld id="{5BCAD085-E8A6-8845-BD4E-CB4CCA059FC4}" type="datetimeFigureOut">
               <a:rPr lang="en-US" smtClean="0"/>
-              <a:t>1/2/2025</a:t>
+              <a:t>1/3/2025</a:t>
             </a:fld>
             <a:endParaRPr lang="en-US"/>
           </a:p>
@@ -1986,7 +1987,7 @@
           <a:p>
             <a:fld id="{5BCAD085-E8A6-8845-BD4E-CB4CCA059FC4}" type="datetimeFigureOut">
               <a:rPr lang="en-US" smtClean="0"/>
-              <a:t>1/2/2025</a:t>
+              <a:t>1/3/2025</a:t>
             </a:fld>
             <a:endParaRPr lang="en-US"/>
           </a:p>
@@ -2261,7 +2262,7 @@
           <a:p>
             <a:fld id="{5BCAD085-E8A6-8845-BD4E-CB4CCA059FC4}" type="datetimeFigureOut">
               <a:rPr lang="en-US" smtClean="0"/>
-              <a:t>1/2/2025</a:t>
+              <a:t>1/3/2025</a:t>
             </a:fld>
             <a:endParaRPr lang="en-US"/>
           </a:p>
@@ -2513,7 +2514,7 @@
           <a:p>
             <a:fld id="{5BCAD085-E8A6-8845-BD4E-CB4CCA059FC4}" type="datetimeFigureOut">
               <a:rPr lang="en-US" smtClean="0"/>
-              <a:t>1/2/2025</a:t>
+              <a:t>1/3/2025</a:t>
             </a:fld>
             <a:endParaRPr lang="en-US"/>
           </a:p>
@@ -2724,7 +2725,7 @@
           <a:p>
             <a:fld id="{5BCAD085-E8A6-8845-BD4E-CB4CCA059FC4}" type="datetimeFigureOut">
               <a:rPr lang="en-US" smtClean="0"/>
-              <a:t>1/2/2025</a:t>
+              <a:t>1/3/2025</a:t>
             </a:fld>
             <a:endParaRPr lang="en-US"/>
           </a:p>
@@ -3109,12 +3110,18 @@
             <p:ph type="ctrTitle"/>
           </p:nvPr>
         </p:nvSpPr>
-        <p:spPr/>
-        <p:txBody>
-          <a:bodyPr/>
-          <a:lstStyle/>
-          <a:p>
-            <a:r>
+        <p:spPr>
+          <a:xfrm>
+            <a:off x="685800" y="1019380"/>
+            <a:ext cx="7772400" cy="1470025"/>
+          </a:xfrm>
+        </p:spPr>
+        <p:txBody>
+          <a:bodyPr/>
+          <a:lstStyle/>
+          <a:p>
+            <a:r>
+              <a:rPr dirty="0"/>
               <a:t>Text &lt;-&gt; Speech Converter</a:t>
             </a:r>
           </a:p>
@@ -3130,7 +3137,12 @@
             <p:ph type="subTitle" idx="1"/>
           </p:nvPr>
         </p:nvSpPr>
-        <p:spPr/>
+        <p:spPr>
+          <a:xfrm>
+            <a:off x="1253613" y="3009900"/>
+            <a:ext cx="6400800" cy="1752600"/>
+          </a:xfrm>
+        </p:spPr>
         <p:txBody>
           <a:bodyPr/>
           <a:lstStyle/>
@@ -3191,6 +3203,83 @@
             <p:ph type="title"/>
           </p:nvPr>
         </p:nvSpPr>
+        <p:spPr/>
+        <p:txBody>
+          <a:bodyPr/>
+          <a:lstStyle/>
+          <a:p>
+            <a:r>
+              <a:t>Conclusion</a:t>
+            </a:r>
+          </a:p>
+        </p:txBody>
+      </p:sp>
+      <p:sp>
+        <p:nvSpPr>
+          <p:cNvPr id="3" name="Content Placeholder 2"/>
+          <p:cNvSpPr>
+            <a:spLocks noGrp="1"/>
+          </p:cNvSpPr>
+          <p:nvPr>
+            <p:ph idx="1"/>
+          </p:nvPr>
+        </p:nvSpPr>
+        <p:spPr/>
+        <p:txBody>
+          <a:bodyPr/>
+          <a:lstStyle/>
+          <a:p>
+            <a:r>
+              <a:t>- This web app is a simple and useful tool for converting between text and speech.</a:t>
+            </a:r>
+          </a:p>
+          <a:p>
+            <a:r>
+              <a:t>- Potential applications: accessibility tools, voice assistants, and language learning.</a:t>
+            </a:r>
+          </a:p>
+          <a:p>
+            <a:r>
+              <a:t>- Open for future improvements, such as adding more languages and speech synthesis options.</a:t>
+            </a:r>
+          </a:p>
+        </p:txBody>
+      </p:sp>
+    </p:spTree>
+  </p:cSld>
+  <p:clrMapOvr>
+    <a:masterClrMapping/>
+  </p:clrMapOvr>
+</p:sld>
+</file>
+
+<file path=ppt/slides/slide11.xml><?xml version="1.0" encoding="utf-8"?>
+<p:sld xmlns:a="http://schemas.openxmlformats.org/drawingml/2006/main" xmlns:r="http://schemas.openxmlformats.org/officeDocument/2006/relationships" xmlns:p="http://schemas.openxmlformats.org/presentationml/2006/main">
+  <p:cSld>
+    <p:spTree>
+      <p:nvGrpSpPr>
+        <p:cNvPr id="1" name=""/>
+        <p:cNvGrpSpPr/>
+        <p:nvPr/>
+      </p:nvGrpSpPr>
+      <p:grpSpPr>
+        <a:xfrm>
+          <a:off x="0" y="0"/>
+          <a:ext cx="0" cy="0"/>
+          <a:chOff x="0" y="0"/>
+          <a:chExt cx="0" cy="0"/>
+        </a:xfrm>
+      </p:grpSpPr>
+      <p:sp>
+        <p:nvSpPr>
+          <p:cNvPr id="2" name="Title 1"/>
+          <p:cNvSpPr>
+            <a:spLocks noGrp="1"/>
+          </p:cNvSpPr>
+          <p:nvPr>
+            <p:ph type="title"/>
+          </p:nvPr>
+        </p:nvSpPr>
         <p:spPr>
           <a:xfrm>
             <a:off x="290052" y="2191929"/>
@@ -3233,6 +3322,30 @@
           <a:chExt cx="0" cy="0"/>
         </a:xfrm>
       </p:grpSpPr>
+      <p:pic>
+        <p:nvPicPr>
+          <p:cNvPr id="4" name="Picture 3" descr="converted_text_to_speech_image.png"/>
+          <p:cNvPicPr>
+            <a:picLocks noChangeAspect="1"/>
+          </p:cNvPicPr>
+          <p:nvPr/>
+        </p:nvPicPr>
+        <p:blipFill>
+          <a:blip r:embed="rId2"/>
+          <a:stretch>
+            <a:fillRect/>
+          </a:stretch>
+        </p:blipFill>
+        <p:spPr>
+          <a:xfrm>
+            <a:off x="4975124" y="2400824"/>
+            <a:ext cx="3711676" cy="2535064"/>
+          </a:xfrm>
+          <a:prstGeom prst="rect">
+            <a:avLst/>
+          </a:prstGeom>
+        </p:spPr>
+      </p:pic>
       <p:sp>
         <p:nvSpPr>
           <p:cNvPr id="2" name="Title 1"/>
@@ -3249,6 +3362,7 @@
           <a:lstStyle/>
           <a:p>
             <a:r>
+              <a:rPr dirty="0"/>
               <a:t>Introduction</a:t>
             </a:r>
           </a:p>
@@ -3264,32 +3378,58 @@
             <p:ph idx="1"/>
           </p:nvPr>
         </p:nvSpPr>
-        <p:spPr/>
-        <p:txBody>
-          <a:bodyPr/>
-          <a:lstStyle/>
-          <a:p>
-            <a:r>
+        <p:spPr>
+          <a:xfrm>
+            <a:off x="457200" y="1600201"/>
+            <a:ext cx="8229600" cy="4318818"/>
+          </a:xfrm>
+        </p:spPr>
+        <p:txBody>
+          <a:bodyPr>
+            <a:normAutofit fontScale="92500" lnSpcReduction="10000"/>
+          </a:bodyPr>
+          <a:lstStyle/>
+          <a:p>
+            <a:r>
+              <a:rPr dirty="0"/>
               <a:t>This is a simple web-based application that allows users to convert text to speech and vice versa.</a:t>
             </a:r>
           </a:p>
           <a:p>
             <a:r>
-              <a:t>Built using HTML, CSS, and JavaScript.</a:t>
-            </a:r>
-          </a:p>
-          <a:p>
-            <a:r>
+              <a:rPr dirty="0"/>
+              <a:t>Built using HTML, CSS,</a:t>
+            </a:r>
+            <a:br>
+              <a:rPr lang="en-US" dirty="0"/>
+            </a:br>
+            <a:r>
+              <a:rPr dirty="0"/>
+              <a:t> and JavaScript.</a:t>
+            </a:r>
+          </a:p>
+          <a:p>
+            <a:r>
+              <a:rPr dirty="0"/>
               <a:t>Two main functionalities:</a:t>
             </a:r>
           </a:p>
           <a:p>
             <a:r>
-              <a:t>1. Text to Speech: Convert typed text to speech.</a:t>
-            </a:r>
-          </a:p>
-          <a:p>
-            <a:r>
+              <a:rPr dirty="0"/>
+              <a:t>1. Text to Speech: Convert</a:t>
+            </a:r>
+            <a:br>
+              <a:rPr lang="en-US" dirty="0"/>
+            </a:br>
+            <a:r>
+              <a:rPr dirty="0"/>
+              <a:t> typed text to speech.</a:t>
+            </a:r>
+          </a:p>
+          <a:p>
+            <a:r>
+              <a:rPr dirty="0"/>
               <a:t>2. Speech to Text: Convert recorded speech to text.</a:t>
             </a:r>
           </a:p>
@@ -3475,6 +3615,14 @@
 <file path=ppt/slides/slide5.xml><?xml version="1.0" encoding="utf-8"?>
 <p:sld xmlns:a="http://schemas.openxmlformats.org/drawingml/2006/main" xmlns:r="http://schemas.openxmlformats.org/officeDocument/2006/relationships" xmlns:p="http://schemas.openxmlformats.org/presentationml/2006/main">
   <p:cSld>
+    <p:bg>
+      <p:bgPr>
+        <a:solidFill>
+          <a:schemeClr val="bg1"/>
+        </a:solidFill>
+        <a:effectLst/>
+      </p:bgPr>
+    </p:bg>
     <p:spTree>
       <p:nvGrpSpPr>
         <p:cNvPr id="1" name=""/>
@@ -3491,62 +3639,795 @@
       </p:grpSpPr>
       <p:sp>
         <p:nvSpPr>
-          <p:cNvPr id="2" name="Title 1"/>
-          <p:cNvSpPr>
-            <a:spLocks noGrp="1"/>
-          </p:cNvSpPr>
-          <p:nvPr>
-            <p:ph type="title"/>
-          </p:nvPr>
-        </p:nvSpPr>
-        <p:spPr/>
-        <p:txBody>
-          <a:bodyPr/>
-          <a:lstStyle/>
-          <a:p>
-            <a:r>
-              <a:t>Speech to Text Section</a:t>
-            </a:r>
-          </a:p>
-        </p:txBody>
-      </p:sp>
-      <p:sp>
-        <p:nvSpPr>
-          <p:cNvPr id="3" name="Content Placeholder 2"/>
-          <p:cNvSpPr>
-            <a:spLocks noGrp="1"/>
-          </p:cNvSpPr>
-          <p:nvPr>
-            <p:ph idx="1"/>
-          </p:nvPr>
-        </p:nvSpPr>
-        <p:spPr/>
-        <p:txBody>
-          <a:bodyPr/>
-          <a:lstStyle/>
-          <a:p>
-            <a:r>
-              <a:t>Elements:</a:t>
-            </a:r>
-          </a:p>
-          <a:p>
-            <a:r>
-              <a:t>- A &lt;textarea&gt; for displaying the converted text from recorded speech.</a:t>
-            </a:r>
-          </a:p>
-          <a:p>
-            <a:r>
-              <a:t>- A 'Record' button to start recording the speech.</a:t>
-            </a:r>
-          </a:p>
-          <a:p>
-            <a:r>
-              <a:t>JavaScript handles the speech-to-text conversion.</a:t>
-            </a:r>
+          <p:cNvPr id="7" name="Rectangle 6">
+            <a:extLst>
+              <a:ext uri="{FF2B5EF4-FFF2-40B4-BE49-F238E27FC236}">
+                <a16:creationId xmlns:a16="http://schemas.microsoft.com/office/drawing/2014/main" id="{F3060C83-F051-4F0E-ABAD-AA0DFC48B218}"/>
+              </a:ext>
+              <a:ext uri="{C183D7F6-B498-43B3-948B-1728B52AA6E4}">
+                <adec:decorative xmlns:adec="http://schemas.microsoft.com/office/drawing/2017/decorative" val="1"/>
+              </a:ext>
+            </a:extLst>
+          </p:cNvPr>
+          <p:cNvSpPr>
+            <a:spLocks noGrp="1" noRot="1" noChangeAspect="1" noMove="1" noResize="1" noEditPoints="1" noAdjustHandles="1" noChangeArrowheads="1" noChangeShapeType="1" noTextEdit="1"/>
+          </p:cNvSpPr>
+          <p:nvPr>
+            <p:extLst>
+              <p:ext uri="{386F3935-93C4-4BCD-93E2-E3B085C9AB24}">
+                <p16:designElem xmlns:p16="http://schemas.microsoft.com/office/powerpoint/2015/main" val="1"/>
+              </p:ext>
+            </p:extLst>
+          </p:nvPr>
+        </p:nvSpPr>
+        <p:spPr>
+          <a:xfrm>
+            <a:off x="0" y="0"/>
+            <a:ext cx="9144000" cy="6858000"/>
+          </a:xfrm>
+          <a:prstGeom prst="rect">
+            <a:avLst/>
+          </a:prstGeom>
+          <a:solidFill>
+            <a:schemeClr val="bg1"/>
+          </a:solidFill>
+          <a:ln>
+            <a:noFill/>
+          </a:ln>
+        </p:spPr>
+        <p:style>
+          <a:lnRef idx="2">
+            <a:schemeClr val="accent1">
+              <a:shade val="50000"/>
+            </a:schemeClr>
+          </a:lnRef>
+          <a:fillRef idx="1">
+            <a:schemeClr val="accent1"/>
+          </a:fillRef>
+          <a:effectRef idx="0">
+            <a:schemeClr val="accent1"/>
+          </a:effectRef>
+          <a:fontRef idx="minor">
+            <a:schemeClr val="lt1"/>
+          </a:fontRef>
+        </p:style>
+        <p:txBody>
+          <a:bodyPr rtlCol="0" anchor="ctr"/>
+          <a:lstStyle/>
+          <a:p>
+            <a:pPr marL="0" marR="0" lvl="0" indent="0" algn="ctr" defTabSz="457200" rtl="0" eaLnBrk="1" fontAlgn="auto" latinLnBrk="0" hangingPunct="1">
+              <a:lnSpc>
+                <a:spcPct val="100000"/>
+              </a:lnSpc>
+              <a:spcBef>
+                <a:spcPts val="0"/>
+              </a:spcBef>
+              <a:spcAft>
+                <a:spcPts val="0"/>
+              </a:spcAft>
+              <a:buClrTx/>
+              <a:buSzTx/>
+              <a:buFontTx/>
+              <a:buNone/>
+              <a:tabLst/>
+              <a:defRPr/>
+            </a:pPr>
+            <a:endParaRPr kumimoji="0" lang="en-US" sz="1800" b="0" i="0" u="none" strike="noStrike" kern="1200" cap="none" spc="0" normalizeH="0" baseline="0" noProof="0" dirty="0">
+              <a:ln>
+                <a:noFill/>
+              </a:ln>
+              <a:solidFill>
+                <a:prstClr val="white"/>
+              </a:solidFill>
+              <a:effectLst/>
+              <a:uLnTx/>
+              <a:uFillTx/>
+              <a:latin typeface="Calibri"/>
+              <a:ea typeface="+mn-ea"/>
+              <a:cs typeface="+mn-cs"/>
+            </a:endParaRPr>
+          </a:p>
+        </p:txBody>
+      </p:sp>
+      <p:sp>
+        <p:nvSpPr>
+          <p:cNvPr id="9" name="Freeform: Shape 8">
+            <a:extLst>
+              <a:ext uri="{FF2B5EF4-FFF2-40B4-BE49-F238E27FC236}">
+                <a16:creationId xmlns:a16="http://schemas.microsoft.com/office/drawing/2014/main" id="{83C98ABE-055B-441F-B07E-44F97F083C39}"/>
+              </a:ext>
+              <a:ext uri="{C183D7F6-B498-43B3-948B-1728B52AA6E4}">
+                <adec:decorative xmlns:adec="http://schemas.microsoft.com/office/drawing/2017/decorative" val="1"/>
+              </a:ext>
+            </a:extLst>
+          </p:cNvPr>
+          <p:cNvSpPr>
+            <a:spLocks noGrp="1" noRot="1" noChangeAspect="1" noMove="1" noResize="1" noEditPoints="1" noAdjustHandles="1" noChangeArrowheads="1" noChangeShapeType="1" noTextEdit="1"/>
+          </p:cNvSpPr>
+          <p:nvPr>
+            <p:extLst>
+              <p:ext uri="{386F3935-93C4-4BCD-93E2-E3B085C9AB24}">
+                <p16:designElem xmlns:p16="http://schemas.microsoft.com/office/powerpoint/2015/main" val="1"/>
+              </p:ext>
+            </p:extLst>
+          </p:nvPr>
+        </p:nvSpPr>
+        <p:spPr>
+          <a:xfrm rot="18900000" flipH="1">
+            <a:off x="-282117" y="-253670"/>
+            <a:ext cx="1370728" cy="1376989"/>
+          </a:xfrm>
+          <a:custGeom>
+            <a:avLst/>
+            <a:gdLst>
+              <a:gd name="connsiteX0" fmla="*/ 0 w 1827638"/>
+              <a:gd name="connsiteY0" fmla="*/ 987379 h 1376989"/>
+              <a:gd name="connsiteX1" fmla="*/ 987379 w 1827638"/>
+              <a:gd name="connsiteY1" fmla="*/ 0 h 1376989"/>
+              <a:gd name="connsiteX2" fmla="*/ 1827638 w 1827638"/>
+              <a:gd name="connsiteY2" fmla="*/ 840260 h 1376989"/>
+              <a:gd name="connsiteX3" fmla="*/ 1827638 w 1827638"/>
+              <a:gd name="connsiteY3" fmla="*/ 1376989 h 1376989"/>
+              <a:gd name="connsiteX4" fmla="*/ 0 w 1827638"/>
+              <a:gd name="connsiteY4" fmla="*/ 1376989 h 1376989"/>
+            </a:gdLst>
+            <a:ahLst/>
+            <a:cxnLst>
+              <a:cxn ang="0">
+                <a:pos x="connsiteX0" y="connsiteY0"/>
+              </a:cxn>
+              <a:cxn ang="0">
+                <a:pos x="connsiteX1" y="connsiteY1"/>
+              </a:cxn>
+              <a:cxn ang="0">
+                <a:pos x="connsiteX2" y="connsiteY2"/>
+              </a:cxn>
+              <a:cxn ang="0">
+                <a:pos x="connsiteX3" y="connsiteY3"/>
+              </a:cxn>
+              <a:cxn ang="0">
+                <a:pos x="connsiteX4" y="connsiteY4"/>
+              </a:cxn>
+            </a:cxnLst>
+            <a:rect l="l" t="t" r="r" b="b"/>
+            <a:pathLst>
+              <a:path w="1827638" h="1376989">
+                <a:moveTo>
+                  <a:pt x="0" y="987379"/>
+                </a:moveTo>
+                <a:lnTo>
+                  <a:pt x="987379" y="0"/>
+                </a:lnTo>
+                <a:lnTo>
+                  <a:pt x="1827638" y="840260"/>
+                </a:lnTo>
+                <a:lnTo>
+                  <a:pt x="1827638" y="1376989"/>
+                </a:lnTo>
+                <a:lnTo>
+                  <a:pt x="0" y="1376989"/>
+                </a:lnTo>
+                <a:close/>
+              </a:path>
+            </a:pathLst>
+          </a:custGeom>
+          <a:solidFill>
+            <a:schemeClr val="accent1">
+              <a:alpha val="30000"/>
+            </a:schemeClr>
+          </a:solidFill>
+          <a:ln>
+            <a:noFill/>
+          </a:ln>
+        </p:spPr>
+        <p:style>
+          <a:lnRef idx="2">
+            <a:schemeClr val="accent1">
+              <a:shade val="50000"/>
+            </a:schemeClr>
+          </a:lnRef>
+          <a:fillRef idx="1">
+            <a:schemeClr val="accent1"/>
+          </a:fillRef>
+          <a:effectRef idx="0">
+            <a:schemeClr val="accent1"/>
+          </a:effectRef>
+          <a:fontRef idx="minor">
+            <a:schemeClr val="lt1"/>
+          </a:fontRef>
+        </p:style>
+        <p:txBody>
+          <a:bodyPr rtlCol="0" anchor="ctr"/>
+          <a:lstStyle/>
+          <a:p>
+            <a:pPr marL="0" marR="0" lvl="0" indent="0" algn="ctr" defTabSz="457200" rtl="0" eaLnBrk="1" fontAlgn="auto" latinLnBrk="0" hangingPunct="1">
+              <a:lnSpc>
+                <a:spcPct val="100000"/>
+              </a:lnSpc>
+              <a:spcBef>
+                <a:spcPts val="0"/>
+              </a:spcBef>
+              <a:spcAft>
+                <a:spcPts val="0"/>
+              </a:spcAft>
+              <a:buClrTx/>
+              <a:buSzTx/>
+              <a:buFontTx/>
+              <a:buNone/>
+              <a:tabLst/>
+              <a:defRPr/>
+            </a:pPr>
+            <a:endParaRPr kumimoji="0" lang="en-US" sz="1800" b="0" i="0" u="none" strike="noStrike" kern="1200" cap="none" spc="0" normalizeH="0" baseline="0" noProof="0" dirty="0">
+              <a:ln>
+                <a:noFill/>
+              </a:ln>
+              <a:solidFill>
+                <a:prstClr val="white"/>
+              </a:solidFill>
+              <a:effectLst/>
+              <a:uLnTx/>
+              <a:uFillTx/>
+              <a:latin typeface="Calibri"/>
+              <a:ea typeface="+mn-ea"/>
+              <a:cs typeface="+mn-cs"/>
+            </a:endParaRPr>
+          </a:p>
+        </p:txBody>
+      </p:sp>
+      <p:sp>
+        <p:nvSpPr>
+          <p:cNvPr id="11" name="Rectangle 10">
+            <a:extLst>
+              <a:ext uri="{FF2B5EF4-FFF2-40B4-BE49-F238E27FC236}">
+                <a16:creationId xmlns:a16="http://schemas.microsoft.com/office/drawing/2014/main" id="{29FDB030-9B49-4CED-8CCD-4D99382388AC}"/>
+              </a:ext>
+              <a:ext uri="{C183D7F6-B498-43B3-948B-1728B52AA6E4}">
+                <adec:decorative xmlns:adec="http://schemas.microsoft.com/office/drawing/2017/decorative" val="1"/>
+              </a:ext>
+            </a:extLst>
+          </p:cNvPr>
+          <p:cNvSpPr>
+            <a:spLocks noGrp="1" noRot="1" noChangeAspect="1" noMove="1" noResize="1" noEditPoints="1" noAdjustHandles="1" noChangeArrowheads="1" noChangeShapeType="1" noTextEdit="1"/>
+          </p:cNvSpPr>
+          <p:nvPr>
+            <p:extLst>
+              <p:ext uri="{386F3935-93C4-4BCD-93E2-E3B085C9AB24}">
+                <p16:designElem xmlns:p16="http://schemas.microsoft.com/office/powerpoint/2015/main" val="1"/>
+              </p:ext>
+            </p:extLst>
+          </p:nvPr>
+        </p:nvSpPr>
+        <p:spPr>
+          <a:xfrm rot="18900000" flipH="1">
+            <a:off x="668730" y="422146"/>
+            <a:ext cx="484026" cy="645368"/>
+          </a:xfrm>
+          <a:prstGeom prst="rect">
+            <a:avLst/>
+          </a:prstGeom>
+          <a:solidFill>
+            <a:schemeClr val="accent1">
+              <a:alpha val="30000"/>
+            </a:schemeClr>
+          </a:solidFill>
+          <a:ln>
+            <a:noFill/>
+          </a:ln>
+        </p:spPr>
+        <p:style>
+          <a:lnRef idx="2">
+            <a:schemeClr val="accent1">
+              <a:shade val="50000"/>
+            </a:schemeClr>
+          </a:lnRef>
+          <a:fillRef idx="1">
+            <a:schemeClr val="accent1"/>
+          </a:fillRef>
+          <a:effectRef idx="0">
+            <a:schemeClr val="accent1"/>
+          </a:effectRef>
+          <a:fontRef idx="minor">
+            <a:schemeClr val="lt1"/>
+          </a:fontRef>
+        </p:style>
+        <p:txBody>
+          <a:bodyPr rtlCol="0" anchor="ctr"/>
+          <a:lstStyle/>
+          <a:p>
+            <a:pPr marL="0" marR="0" lvl="0" indent="0" algn="ctr" defTabSz="457200" rtl="0" eaLnBrk="1" fontAlgn="auto" latinLnBrk="0" hangingPunct="1">
+              <a:lnSpc>
+                <a:spcPct val="100000"/>
+              </a:lnSpc>
+              <a:spcBef>
+                <a:spcPts val="0"/>
+              </a:spcBef>
+              <a:spcAft>
+                <a:spcPts val="0"/>
+              </a:spcAft>
+              <a:buClrTx/>
+              <a:buSzTx/>
+              <a:buFontTx/>
+              <a:buNone/>
+              <a:tabLst/>
+              <a:defRPr/>
+            </a:pPr>
+            <a:endParaRPr kumimoji="0" lang="en-US" sz="1800" b="0" i="0" u="none" strike="noStrike" kern="1200" cap="none" spc="0" normalizeH="0" baseline="0" noProof="0">
+              <a:ln>
+                <a:noFill/>
+              </a:ln>
+              <a:solidFill>
+                <a:prstClr val="white"/>
+              </a:solidFill>
+              <a:effectLst/>
+              <a:uLnTx/>
+              <a:uFillTx/>
+              <a:latin typeface="Calibri"/>
+              <a:ea typeface="+mn-ea"/>
+              <a:cs typeface="+mn-cs"/>
+            </a:endParaRPr>
+          </a:p>
+        </p:txBody>
+      </p:sp>
+      <p:sp>
+        <p:nvSpPr>
+          <p:cNvPr id="13" name="Rectangle 12">
+            <a:extLst>
+              <a:ext uri="{FF2B5EF4-FFF2-40B4-BE49-F238E27FC236}">
+                <a16:creationId xmlns:a16="http://schemas.microsoft.com/office/drawing/2014/main" id="{3783CA14-24A1-485C-8B30-D6A5D87987AD}"/>
+              </a:ext>
+              <a:ext uri="{C183D7F6-B498-43B3-948B-1728B52AA6E4}">
+                <adec:decorative xmlns:adec="http://schemas.microsoft.com/office/drawing/2017/decorative" val="1"/>
+              </a:ext>
+            </a:extLst>
+          </p:cNvPr>
+          <p:cNvSpPr>
+            <a:spLocks noGrp="1" noRot="1" noChangeAspect="1" noMove="1" noResize="1" noEditPoints="1" noAdjustHandles="1" noChangeArrowheads="1" noChangeShapeType="1" noTextEdit="1"/>
+          </p:cNvSpPr>
+          <p:nvPr>
+            <p:extLst>
+              <p:ext uri="{386F3935-93C4-4BCD-93E2-E3B085C9AB24}">
+                <p16:designElem xmlns:p16="http://schemas.microsoft.com/office/powerpoint/2015/main" val="1"/>
+              </p:ext>
+            </p:extLst>
+          </p:nvPr>
+        </p:nvSpPr>
+        <p:spPr>
+          <a:xfrm rot="18900000" flipH="1">
+            <a:off x="7532611" y="655140"/>
+            <a:ext cx="515604" cy="687472"/>
+          </a:xfrm>
+          <a:prstGeom prst="rect">
+            <a:avLst/>
+          </a:prstGeom>
+          <a:solidFill>
+            <a:schemeClr val="accent4">
+              <a:alpha val="30000"/>
+            </a:schemeClr>
+          </a:solidFill>
+          <a:ln>
+            <a:noFill/>
+          </a:ln>
+        </p:spPr>
+        <p:style>
+          <a:lnRef idx="2">
+            <a:schemeClr val="accent1">
+              <a:shade val="50000"/>
+            </a:schemeClr>
+          </a:lnRef>
+          <a:fillRef idx="1">
+            <a:schemeClr val="accent1"/>
+          </a:fillRef>
+          <a:effectRef idx="0">
+            <a:schemeClr val="accent1"/>
+          </a:effectRef>
+          <a:fontRef idx="minor">
+            <a:schemeClr val="lt1"/>
+          </a:fontRef>
+        </p:style>
+        <p:txBody>
+          <a:bodyPr rtlCol="0" anchor="ctr"/>
+          <a:lstStyle/>
+          <a:p>
+            <a:pPr marL="0" marR="0" lvl="0" indent="0" algn="ctr" defTabSz="457200" rtl="0" eaLnBrk="1" fontAlgn="auto" latinLnBrk="0" hangingPunct="1">
+              <a:lnSpc>
+                <a:spcPct val="100000"/>
+              </a:lnSpc>
+              <a:spcBef>
+                <a:spcPts val="0"/>
+              </a:spcBef>
+              <a:spcAft>
+                <a:spcPts val="0"/>
+              </a:spcAft>
+              <a:buClrTx/>
+              <a:buSzTx/>
+              <a:buFontTx/>
+              <a:buNone/>
+              <a:tabLst/>
+              <a:defRPr/>
+            </a:pPr>
+            <a:endParaRPr kumimoji="0" lang="en-US" sz="1800" b="0" i="0" u="none" strike="noStrike" kern="1200" cap="none" spc="0" normalizeH="0" baseline="0" noProof="0">
+              <a:ln>
+                <a:noFill/>
+              </a:ln>
+              <a:solidFill>
+                <a:prstClr val="white"/>
+              </a:solidFill>
+              <a:effectLst/>
+              <a:uLnTx/>
+              <a:uFillTx/>
+              <a:latin typeface="Calibri"/>
+              <a:ea typeface="+mn-ea"/>
+              <a:cs typeface="+mn-cs"/>
+            </a:endParaRPr>
+          </a:p>
+        </p:txBody>
+      </p:sp>
+      <p:sp>
+        <p:nvSpPr>
+          <p:cNvPr id="15" name="Freeform: Shape 14">
+            <a:extLst>
+              <a:ext uri="{FF2B5EF4-FFF2-40B4-BE49-F238E27FC236}">
+                <a16:creationId xmlns:a16="http://schemas.microsoft.com/office/drawing/2014/main" id="{9A97C86A-04D6-40F7-AE84-31AB43E6A846}"/>
+              </a:ext>
+              <a:ext uri="{C183D7F6-B498-43B3-948B-1728B52AA6E4}">
+                <adec:decorative xmlns:adec="http://schemas.microsoft.com/office/drawing/2017/decorative" val="1"/>
+              </a:ext>
+            </a:extLst>
+          </p:cNvPr>
+          <p:cNvSpPr>
+            <a:spLocks noGrp="1" noRot="1" noChangeAspect="1" noMove="1" noResize="1" noEditPoints="1" noAdjustHandles="1" noChangeArrowheads="1" noChangeShapeType="1" noTextEdit="1"/>
+          </p:cNvSpPr>
+          <p:nvPr>
+            <p:extLst>
+              <p:ext uri="{386F3935-93C4-4BCD-93E2-E3B085C9AB24}">
+                <p16:designElem xmlns:p16="http://schemas.microsoft.com/office/powerpoint/2015/main" val="1"/>
+              </p:ext>
+            </p:extLst>
+          </p:nvPr>
+        </p:nvSpPr>
+        <p:spPr>
+          <a:xfrm rot="10800000" flipH="1">
+            <a:off x="7017482" y="0"/>
+            <a:ext cx="2126518" cy="1480837"/>
+          </a:xfrm>
+          <a:custGeom>
+            <a:avLst/>
+            <a:gdLst>
+              <a:gd name="connsiteX0" fmla="*/ 2835357 w 2835357"/>
+              <a:gd name="connsiteY0" fmla="*/ 1480837 h 1480837"/>
+              <a:gd name="connsiteX1" fmla="*/ 0 w 2835357"/>
+              <a:gd name="connsiteY1" fmla="*/ 1480837 h 1480837"/>
+              <a:gd name="connsiteX2" fmla="*/ 1552727 w 2835357"/>
+              <a:gd name="connsiteY2" fmla="*/ 0 h 1480837"/>
+              <a:gd name="connsiteX3" fmla="*/ 2835357 w 2835357"/>
+              <a:gd name="connsiteY3" fmla="*/ 1223245 h 1480837"/>
+            </a:gdLst>
+            <a:ahLst/>
+            <a:cxnLst>
+              <a:cxn ang="0">
+                <a:pos x="connsiteX0" y="connsiteY0"/>
+              </a:cxn>
+              <a:cxn ang="0">
+                <a:pos x="connsiteX1" y="connsiteY1"/>
+              </a:cxn>
+              <a:cxn ang="0">
+                <a:pos x="connsiteX2" y="connsiteY2"/>
+              </a:cxn>
+              <a:cxn ang="0">
+                <a:pos x="connsiteX3" y="connsiteY3"/>
+              </a:cxn>
+            </a:cxnLst>
+            <a:rect l="l" t="t" r="r" b="b"/>
+            <a:pathLst>
+              <a:path w="2835357" h="1480837">
+                <a:moveTo>
+                  <a:pt x="2835357" y="1480837"/>
+                </a:moveTo>
+                <a:lnTo>
+                  <a:pt x="0" y="1480837"/>
+                </a:lnTo>
+                <a:lnTo>
+                  <a:pt x="1552727" y="0"/>
+                </a:lnTo>
+                <a:lnTo>
+                  <a:pt x="2835357" y="1223245"/>
+                </a:lnTo>
+                <a:close/>
+              </a:path>
+            </a:pathLst>
+          </a:custGeom>
+          <a:solidFill>
+            <a:schemeClr val="accent4">
+              <a:alpha val="30000"/>
+            </a:schemeClr>
+          </a:solidFill>
+          <a:ln>
+            <a:noFill/>
+          </a:ln>
+        </p:spPr>
+        <p:style>
+          <a:lnRef idx="2">
+            <a:schemeClr val="accent1">
+              <a:shade val="50000"/>
+            </a:schemeClr>
+          </a:lnRef>
+          <a:fillRef idx="1">
+            <a:schemeClr val="accent1"/>
+          </a:fillRef>
+          <a:effectRef idx="0">
+            <a:schemeClr val="accent1"/>
+          </a:effectRef>
+          <a:fontRef idx="minor">
+            <a:schemeClr val="lt1"/>
+          </a:fontRef>
+        </p:style>
+        <p:txBody>
+          <a:bodyPr wrap="square" rtlCol="0" anchor="ctr">
+            <a:noAutofit/>
+          </a:bodyPr>
+          <a:lstStyle/>
+          <a:p>
+            <a:pPr marL="0" marR="0" lvl="0" indent="0" algn="ctr" defTabSz="457200" rtl="0" eaLnBrk="1" fontAlgn="auto" latinLnBrk="0" hangingPunct="1">
+              <a:lnSpc>
+                <a:spcPct val="100000"/>
+              </a:lnSpc>
+              <a:spcBef>
+                <a:spcPts val="0"/>
+              </a:spcBef>
+              <a:spcAft>
+                <a:spcPts val="0"/>
+              </a:spcAft>
+              <a:buClrTx/>
+              <a:buSzTx/>
+              <a:buFontTx/>
+              <a:buNone/>
+              <a:tabLst/>
+              <a:defRPr/>
+            </a:pPr>
+            <a:endParaRPr kumimoji="0" lang="en-US" sz="1800" b="0" i="0" u="none" strike="noStrike" kern="1200" cap="none" spc="0" normalizeH="0" baseline="0" noProof="0" dirty="0">
+              <a:ln>
+                <a:noFill/>
+              </a:ln>
+              <a:solidFill>
+                <a:prstClr val="white"/>
+              </a:solidFill>
+              <a:effectLst/>
+              <a:uLnTx/>
+              <a:uFillTx/>
+              <a:latin typeface="Calibri"/>
+              <a:ea typeface="+mn-ea"/>
+              <a:cs typeface="+mn-cs"/>
+            </a:endParaRPr>
+          </a:p>
+        </p:txBody>
+      </p:sp>
+      <p:sp>
+        <p:nvSpPr>
+          <p:cNvPr id="17" name="Isosceles Triangle 16">
+            <a:extLst>
+              <a:ext uri="{FF2B5EF4-FFF2-40B4-BE49-F238E27FC236}">
+                <a16:creationId xmlns:a16="http://schemas.microsoft.com/office/drawing/2014/main" id="{FF9F2414-84E8-453E-B1F3-389FDE8192D9}"/>
+              </a:ext>
+              <a:ext uri="{C183D7F6-B498-43B3-948B-1728B52AA6E4}">
+                <adec:decorative xmlns:adec="http://schemas.microsoft.com/office/drawing/2017/decorative" val="1"/>
+              </a:ext>
+            </a:extLst>
+          </p:cNvPr>
+          <p:cNvSpPr>
+            <a:spLocks noGrp="1" noRot="1" noChangeAspect="1" noMove="1" noResize="1" noEditPoints="1" noAdjustHandles="1" noChangeArrowheads="1" noChangeShapeType="1" noTextEdit="1"/>
+          </p:cNvSpPr>
+          <p:nvPr>
+            <p:extLst>
+              <p:ext uri="{386F3935-93C4-4BCD-93E2-E3B085C9AB24}">
+                <p16:designElem xmlns:p16="http://schemas.microsoft.com/office/powerpoint/2015/main" val="1"/>
+              </p:ext>
+            </p:extLst>
+          </p:nvPr>
+        </p:nvSpPr>
+        <p:spPr>
+          <a:xfrm flipH="1">
+            <a:off x="5982258" y="6115501"/>
+            <a:ext cx="1120884" cy="742499"/>
+          </a:xfrm>
+          <a:prstGeom prst="triangle">
+            <a:avLst/>
+          </a:prstGeom>
+          <a:solidFill>
+            <a:schemeClr val="accent1">
+              <a:alpha val="30000"/>
+            </a:schemeClr>
+          </a:solidFill>
+          <a:ln>
+            <a:noFill/>
+          </a:ln>
+        </p:spPr>
+        <p:style>
+          <a:lnRef idx="2">
+            <a:schemeClr val="accent1">
+              <a:shade val="50000"/>
+            </a:schemeClr>
+          </a:lnRef>
+          <a:fillRef idx="1">
+            <a:schemeClr val="accent1"/>
+          </a:fillRef>
+          <a:effectRef idx="0">
+            <a:schemeClr val="accent1"/>
+          </a:effectRef>
+          <a:fontRef idx="minor">
+            <a:schemeClr val="lt1"/>
+          </a:fontRef>
+        </p:style>
+        <p:txBody>
+          <a:bodyPr rtlCol="0" anchor="ctr"/>
+          <a:lstStyle/>
+          <a:p>
+            <a:pPr marL="0" marR="0" lvl="0" indent="0" algn="ctr" defTabSz="457200" rtl="0" eaLnBrk="1" fontAlgn="auto" latinLnBrk="0" hangingPunct="1">
+              <a:lnSpc>
+                <a:spcPct val="100000"/>
+              </a:lnSpc>
+              <a:spcBef>
+                <a:spcPts val="0"/>
+              </a:spcBef>
+              <a:spcAft>
+                <a:spcPts val="0"/>
+              </a:spcAft>
+              <a:buClrTx/>
+              <a:buSzTx/>
+              <a:buFontTx/>
+              <a:buNone/>
+              <a:tabLst/>
+              <a:defRPr/>
+            </a:pPr>
+            <a:endParaRPr kumimoji="0" lang="en-US" sz="1800" b="0" i="0" u="none" strike="noStrike" kern="1200" cap="none" spc="0" normalizeH="0" baseline="0" noProof="0">
+              <a:ln>
+                <a:noFill/>
+              </a:ln>
+              <a:solidFill>
+                <a:prstClr val="white"/>
+              </a:solidFill>
+              <a:effectLst/>
+              <a:uLnTx/>
+              <a:uFillTx/>
+              <a:latin typeface="Calibri"/>
+              <a:ea typeface="+mn-ea"/>
+              <a:cs typeface="+mn-cs"/>
+            </a:endParaRPr>
+          </a:p>
+        </p:txBody>
+      </p:sp>
+      <p:pic>
+        <p:nvPicPr>
+          <p:cNvPr id="2" name="Picture 1" descr="html_tags_example.png">
+            <a:extLst>
+              <a:ext uri="{FF2B5EF4-FFF2-40B4-BE49-F238E27FC236}">
+                <a16:creationId xmlns:a16="http://schemas.microsoft.com/office/drawing/2014/main" id="{8EBF2C69-B1F7-620C-E18B-12474A33D08A}"/>
+              </a:ext>
+            </a:extLst>
+          </p:cNvPr>
+          <p:cNvPicPr>
+            <a:picLocks noChangeAspect="1"/>
+          </p:cNvPicPr>
+          <p:nvPr/>
+        </p:nvPicPr>
+        <p:blipFill>
+          <a:blip r:embed="rId2"/>
+          <a:stretch>
+            <a:fillRect/>
+          </a:stretch>
+        </p:blipFill>
+        <p:spPr>
+          <a:xfrm>
+            <a:off x="147893" y="1244077"/>
+            <a:ext cx="8848213" cy="4424106"/>
+          </a:xfrm>
+          <a:prstGeom prst="rect">
+            <a:avLst/>
+          </a:prstGeom>
+          <a:ln>
+            <a:noFill/>
+          </a:ln>
+        </p:spPr>
+      </p:pic>
+      <p:sp>
+        <p:nvSpPr>
+          <p:cNvPr id="19" name="Isosceles Triangle 18">
+            <a:extLst>
+              <a:ext uri="{FF2B5EF4-FFF2-40B4-BE49-F238E27FC236}">
+                <a16:creationId xmlns:a16="http://schemas.microsoft.com/office/drawing/2014/main" id="{3ECA69A1-7536-43AC-85EF-C7106179F5ED}"/>
+              </a:ext>
+              <a:ext uri="{C183D7F6-B498-43B3-948B-1728B52AA6E4}">
+                <adec:decorative xmlns:adec="http://schemas.microsoft.com/office/drawing/2017/decorative" val="1"/>
+              </a:ext>
+            </a:extLst>
+          </p:cNvPr>
+          <p:cNvSpPr>
+            <a:spLocks noGrp="1" noRot="1" noChangeAspect="1" noMove="1" noResize="1" noEditPoints="1" noAdjustHandles="1" noChangeArrowheads="1" noChangeShapeType="1" noTextEdit="1"/>
+          </p:cNvSpPr>
+          <p:nvPr>
+            <p:extLst>
+              <p:ext uri="{386F3935-93C4-4BCD-93E2-E3B085C9AB24}">
+                <p16:designElem xmlns:p16="http://schemas.microsoft.com/office/powerpoint/2015/main" val="1"/>
+              </p:ext>
+            </p:extLst>
+          </p:nvPr>
+        </p:nvSpPr>
+        <p:spPr>
+          <a:xfrm flipH="1">
+            <a:off x="5703060" y="6453143"/>
+            <a:ext cx="611177" cy="404857"/>
+          </a:xfrm>
+          <a:prstGeom prst="triangle">
+            <a:avLst/>
+          </a:prstGeom>
+          <a:solidFill>
+            <a:schemeClr val="accent1">
+              <a:alpha val="30000"/>
+            </a:schemeClr>
+          </a:solidFill>
+          <a:ln>
+            <a:noFill/>
+          </a:ln>
+        </p:spPr>
+        <p:style>
+          <a:lnRef idx="2">
+            <a:schemeClr val="accent1">
+              <a:shade val="50000"/>
+            </a:schemeClr>
+          </a:lnRef>
+          <a:fillRef idx="1">
+            <a:schemeClr val="accent1"/>
+          </a:fillRef>
+          <a:effectRef idx="0">
+            <a:schemeClr val="accent1"/>
+          </a:effectRef>
+          <a:fontRef idx="minor">
+            <a:schemeClr val="lt1"/>
+          </a:fontRef>
+        </p:style>
+        <p:txBody>
+          <a:bodyPr rtlCol="0" anchor="ctr"/>
+          <a:lstStyle/>
+          <a:p>
+            <a:pPr marL="0" marR="0" lvl="0" indent="0" algn="ctr" defTabSz="457200" rtl="0" eaLnBrk="1" fontAlgn="auto" latinLnBrk="0" hangingPunct="1">
+              <a:lnSpc>
+                <a:spcPct val="100000"/>
+              </a:lnSpc>
+              <a:spcBef>
+                <a:spcPts val="0"/>
+              </a:spcBef>
+              <a:spcAft>
+                <a:spcPts val="0"/>
+              </a:spcAft>
+              <a:buClrTx/>
+              <a:buSzTx/>
+              <a:buFontTx/>
+              <a:buNone/>
+              <a:tabLst/>
+              <a:defRPr/>
+            </a:pPr>
+            <a:endParaRPr kumimoji="0" lang="en-US" sz="1800" b="0" i="0" u="none" strike="noStrike" kern="1200" cap="none" spc="0" normalizeH="0" baseline="0" noProof="0">
+              <a:ln>
+                <a:noFill/>
+              </a:ln>
+              <a:solidFill>
+                <a:prstClr val="white"/>
+              </a:solidFill>
+              <a:effectLst/>
+              <a:uLnTx/>
+              <a:uFillTx/>
+              <a:latin typeface="Calibri"/>
+              <a:ea typeface="+mn-ea"/>
+              <a:cs typeface="+mn-cs"/>
+            </a:endParaRPr>
           </a:p>
         </p:txBody>
       </p:sp>
     </p:spTree>
+    <p:extLst>
+      <p:ext uri="{BB962C8B-B14F-4D97-AF65-F5344CB8AC3E}">
+        <p14:creationId xmlns:p14="http://schemas.microsoft.com/office/powerpoint/2010/main" val="797181484"/>
+      </p:ext>
+    </p:extLst>
   </p:cSld>
   <p:clrMapOvr>
     <a:masterClrMapping/>
@@ -3571,6 +4452,30 @@
           <a:chExt cx="0" cy="0"/>
         </a:xfrm>
       </p:grpSpPr>
+      <p:pic>
+        <p:nvPicPr>
+          <p:cNvPr id="4" name="Picture 3" descr="converted_speech_to_text_image.png"/>
+          <p:cNvPicPr>
+            <a:picLocks noChangeAspect="1"/>
+          </p:cNvPicPr>
+          <p:nvPr/>
+        </p:nvPicPr>
+        <p:blipFill>
+          <a:blip r:embed="rId2"/>
+          <a:stretch>
+            <a:fillRect/>
+          </a:stretch>
+        </p:blipFill>
+        <p:spPr>
+          <a:xfrm>
+            <a:off x="5515897" y="2157283"/>
+            <a:ext cx="3628103" cy="3628103"/>
+          </a:xfrm>
+          <a:prstGeom prst="rect">
+            <a:avLst/>
+          </a:prstGeom>
+        </p:spPr>
+      </p:pic>
       <p:sp>
         <p:nvSpPr>
           <p:cNvPr id="2" name="Title 1"/>
@@ -3587,7 +4492,7 @@
           <a:lstStyle/>
           <a:p>
             <a:r>
-              <a:t>CSS Styling</a:t>
+              <a:t>Speech to Text Section</a:t>
             </a:r>
           </a:p>
         </p:txBody>
@@ -3608,17 +4513,62 @@
           <a:lstStyle/>
           <a:p>
             <a:r>
-              <a:t>- Flexbox Layout for centering the content.</a:t>
-            </a:r>
-          </a:p>
-          <a:p>
-            <a:r>
-              <a:t>- Hover Effects for interactive buttons.</a:t>
-            </a:r>
-          </a:p>
-          <a:p>
-            <a:r>
-              <a:t>- Custom styles for buttons, textareas, and selection boxes to improve user experience.</a:t>
+              <a:rPr dirty="0"/>
+              <a:t>Elements:</a:t>
+            </a:r>
+          </a:p>
+          <a:p>
+            <a:r>
+              <a:rPr dirty="0"/>
+              <a:t>- A &lt;</a:t>
+            </a:r>
+            <a:r>
+              <a:rPr dirty="0" err="1"/>
+              <a:t>textarea</a:t>
+            </a:r>
+            <a:r>
+              <a:rPr dirty="0"/>
+              <a:t>&gt; for displaying </a:t>
+            </a:r>
+            <a:br>
+              <a:rPr lang="en-US" dirty="0"/>
+            </a:br>
+            <a:r>
+              <a:rPr dirty="0"/>
+              <a:t>the converted text from </a:t>
+            </a:r>
+            <a:br>
+              <a:rPr lang="en-US" dirty="0"/>
+            </a:br>
+            <a:r>
+              <a:rPr dirty="0"/>
+              <a:t>recorded speech.</a:t>
+            </a:r>
+          </a:p>
+          <a:p>
+            <a:r>
+              <a:rPr dirty="0"/>
+              <a:t>- A 'Record' button to start</a:t>
+            </a:r>
+            <a:br>
+              <a:rPr lang="en-US" dirty="0"/>
+            </a:br>
+            <a:r>
+              <a:rPr dirty="0"/>
+              <a:t> recording the speech.</a:t>
+            </a:r>
+          </a:p>
+          <a:p>
+            <a:r>
+              <a:rPr dirty="0"/>
+              <a:t>JavaScript handles the </a:t>
+            </a:r>
+            <a:br>
+              <a:rPr lang="en-US" dirty="0"/>
+            </a:br>
+            <a:r>
+              <a:rPr dirty="0"/>
+              <a:t>speech-to-text conversion.</a:t>
             </a:r>
           </a:p>
         </p:txBody>
@@ -3664,7 +4614,7 @@
           <a:lstStyle/>
           <a:p>
             <a:r>
-              <a:t>JavaScript Functionality</a:t>
+              <a:t>CSS Styling</a:t>
             </a:r>
           </a:p>
         </p:txBody>
@@ -3679,27 +4629,73 @@
             <p:ph idx="1"/>
           </p:nvPr>
         </p:nvSpPr>
-        <p:spPr/>
-        <p:txBody>
-          <a:bodyPr/>
-          <a:lstStyle/>
-          <a:p>
-            <a:r>
-              <a:t>- showSection() function: Switches between Text-to-Speech and Speech-to-Text sections.</a:t>
-            </a:r>
-          </a:p>
-          <a:p>
-            <a:r>
-              <a:t>- Speech synthesis for Text-to-Speech.</a:t>
-            </a:r>
-          </a:p>
-          <a:p>
-            <a:r>
-              <a:t>- Speech recognition for Speech-to-Text.</a:t>
-            </a:r>
-          </a:p>
-        </p:txBody>
-      </p:sp>
+        <p:spPr>
+          <a:xfrm>
+            <a:off x="457200" y="1417638"/>
+            <a:ext cx="8229600" cy="4525963"/>
+          </a:xfrm>
+        </p:spPr>
+        <p:txBody>
+          <a:bodyPr/>
+          <a:lstStyle/>
+          <a:p>
+            <a:r>
+              <a:rPr dirty="0"/>
+              <a:t>- Flexbox Layout for centering the content.</a:t>
+            </a:r>
+          </a:p>
+          <a:p>
+            <a:r>
+              <a:rPr dirty="0"/>
+              <a:t>- Hover Effects for interactive buttons.</a:t>
+            </a:r>
+          </a:p>
+          <a:p>
+            <a:r>
+              <a:rPr dirty="0"/>
+              <a:t>- Custom styles for buttons, </a:t>
+            </a:r>
+            <a:r>
+              <a:rPr dirty="0" err="1"/>
+              <a:t>textareas</a:t>
+            </a:r>
+            <a:r>
+              <a:rPr dirty="0"/>
+              <a:t>, and selection boxes to improve user experience.</a:t>
+            </a:r>
+          </a:p>
+        </p:txBody>
+      </p:sp>
+      <p:pic>
+        <p:nvPicPr>
+          <p:cNvPr id="4" name="Picture 3" descr="css_tags_example.png">
+            <a:extLst>
+              <a:ext uri="{FF2B5EF4-FFF2-40B4-BE49-F238E27FC236}">
+                <a16:creationId xmlns:a16="http://schemas.microsoft.com/office/drawing/2014/main" id="{B5C3779E-0B99-3508-DD68-E22649CB0DAB}"/>
+              </a:ext>
+            </a:extLst>
+          </p:cNvPr>
+          <p:cNvPicPr>
+            <a:picLocks noChangeAspect="1"/>
+          </p:cNvPicPr>
+          <p:nvPr/>
+        </p:nvPicPr>
+        <p:blipFill>
+          <a:blip r:embed="rId2"/>
+          <a:stretch>
+            <a:fillRect/>
+          </a:stretch>
+        </p:blipFill>
+        <p:spPr>
+          <a:xfrm>
+            <a:off x="909484" y="3602596"/>
+            <a:ext cx="8136194" cy="3255404"/>
+          </a:xfrm>
+          <a:prstGeom prst="rect">
+            <a:avLst/>
+          </a:prstGeom>
+        </p:spPr>
+      </p:pic>
     </p:spTree>
   </p:cSld>
   <p:clrMapOvr>
@@ -3741,7 +4737,7 @@
           <a:lstStyle/>
           <a:p>
             <a:r>
-              <a:t>Demo</a:t>
+              <a:t>JavaScript Functionality</a:t>
             </a:r>
           </a:p>
         </p:txBody>
@@ -3762,12 +4758,17 @@
           <a:lstStyle/>
           <a:p>
             <a:r>
-              <a:t>- Show a live demo or screenshots of the application.</a:t>
-            </a:r>
-          </a:p>
-          <a:p>
-            <a:r>
-              <a:t>- Display how the user interacts with the 'Text to Speech' and 'Speech to Text' sections.</a:t>
+              <a:t>- showSection() function: Switches between Text-to-Speech and Speech-to-Text sections.</a:t>
+            </a:r>
+          </a:p>
+          <a:p>
+            <a:r>
+              <a:t>- Speech synthesis for Text-to-Speech.</a:t>
+            </a:r>
+          </a:p>
+          <a:p>
+            <a:r>
+              <a:t>- Speech recognition for Speech-to-Text.</a:t>
             </a:r>
           </a:p>
         </p:txBody>
@@ -3813,7 +4814,7 @@
           <a:lstStyle/>
           <a:p>
             <a:r>
-              <a:t>Conclusion</a:t>
+              <a:t>Demo</a:t>
             </a:r>
           </a:p>
         </p:txBody>
@@ -3834,17 +4835,12 @@
           <a:lstStyle/>
           <a:p>
             <a:r>
-              <a:t>- This web app is a simple and useful tool for converting between text and speech.</a:t>
-            </a:r>
-          </a:p>
-          <a:p>
-            <a:r>
-              <a:t>- Potential applications: accessibility tools, voice assistants, and language learning.</a:t>
-            </a:r>
-          </a:p>
-          <a:p>
-            <a:r>
-              <a:t>- Open for future improvements, such as adding more languages and speech synthesis options.</a:t>
+              <a:t>- Show a live demo or screenshots of the application.</a:t>
+            </a:r>
+          </a:p>
+          <a:p>
+            <a:r>
+              <a:t>- Display how the user interacts with the 'Text to Speech' and 'Speech to Text' sections.</a:t>
             </a:r>
           </a:p>
         </p:txBody>
